--- a/Re-Indexing - The quest of ultimate automation.pptx
+++ b/Re-Indexing - The quest of ultimate automation.pptx
@@ -7669,9 +7669,10 @@
         <a:lstStyle/>
         <a:p>
           <a:r>
-            <a:rPr lang="en-US"/>
-            <a:t>Designed for Uptime</a:t>
+            <a:rPr lang="en-US" b="0" dirty="0"/>
+            <a:t>Design Considerations</a:t>
           </a:r>
+          <a:endParaRPr lang="en-US" b="0" dirty="0"/>
         </a:p>
       </dgm:t>
     </dgm:pt>
@@ -7705,7 +7706,7 @@
         <a:lstStyle/>
         <a:p>
           <a:r>
-            <a:rPr lang="en-US"/>
+            <a:rPr lang="en-US" dirty="0"/>
             <a:t>Challenges with current processes</a:t>
           </a:r>
         </a:p>
@@ -8221,43 +8222,6 @@
         </a:p>
       </dgm:t>
     </dgm:pt>
-    <dgm:pt modelId="{099E0B8B-D202-45AD-8A77-9D8089350481}">
-      <dgm:prSet/>
-      <dgm:spPr/>
-      <dgm:t>
-        <a:bodyPr/>
-        <a:lstStyle/>
-        <a:p>
-          <a:pPr rtl="0"/>
-          <a:r>
-            <a:rPr lang="en-US" dirty="0"/>
-            <a:t>Simple recovery during re-indexing</a:t>
-          </a:r>
-        </a:p>
-      </dgm:t>
-    </dgm:pt>
-    <dgm:pt modelId="{B6BF8137-350F-4609-B261-71C97ABA9A0A}" type="parTrans" cxnId="{8B6FD656-CE39-4A21-B209-31CDF2C3B58D}">
-      <dgm:prSet/>
-      <dgm:spPr/>
-      <dgm:t>
-        <a:bodyPr/>
-        <a:lstStyle/>
-        <a:p>
-          <a:endParaRPr lang="en-US"/>
-        </a:p>
-      </dgm:t>
-    </dgm:pt>
-    <dgm:pt modelId="{A6C6DF2B-C2BF-4329-9C05-1700575C3BF2}" type="sibTrans" cxnId="{8B6FD656-CE39-4A21-B209-31CDF2C3B58D}">
-      <dgm:prSet/>
-      <dgm:spPr/>
-      <dgm:t>
-        <a:bodyPr/>
-        <a:lstStyle/>
-        <a:p>
-          <a:endParaRPr lang="en-US"/>
-        </a:p>
-      </dgm:t>
-    </dgm:pt>
     <dgm:pt modelId="{37B460BA-770D-4B93-AC2D-50A649C6F26C}">
       <dgm:prSet/>
       <dgm:spPr/>
@@ -8342,7 +8306,7 @@
       <dgm:spPr/>
     </dgm:pt>
     <dgm:pt modelId="{129D4766-2881-42F9-86EE-A54EBB9A64A1}" type="pres">
-      <dgm:prSet presAssocID="{6EF35364-324B-48F2-B3E5-64CC90BB1AE6}" presName="parentText" presStyleLbl="node1" presStyleIdx="0" presStyleCnt="5">
+      <dgm:prSet presAssocID="{6EF35364-324B-48F2-B3E5-64CC90BB1AE6}" presName="parentText" presStyleLbl="node1" presStyleIdx="0" presStyleCnt="4">
         <dgm:presLayoutVars>
           <dgm:chMax val="0"/>
           <dgm:bulletEnabled val="1"/>
@@ -8355,7 +8319,7 @@
       <dgm:spPr/>
     </dgm:pt>
     <dgm:pt modelId="{ED37FC63-A9AB-4FD2-B5FB-4C65284D2BCF}" type="pres">
-      <dgm:prSet presAssocID="{2311EF50-D0B3-45E6-9C57-3C5136A90A1E}" presName="parentText" presStyleLbl="node1" presStyleIdx="1" presStyleCnt="5">
+      <dgm:prSet presAssocID="{2311EF50-D0B3-45E6-9C57-3C5136A90A1E}" presName="parentText" presStyleLbl="node1" presStyleIdx="1" presStyleCnt="4">
         <dgm:presLayoutVars>
           <dgm:chMax val="0"/>
           <dgm:bulletEnabled val="1"/>
@@ -8367,21 +8331,8 @@
       <dgm:prSet presAssocID="{F353A5FD-B5B3-4B2A-A116-3F4A4C9393C5}" presName="spacer" presStyleCnt="0"/>
       <dgm:spPr/>
     </dgm:pt>
-    <dgm:pt modelId="{1AE8882E-5D42-4D63-925A-4496820F88C9}" type="pres">
-      <dgm:prSet presAssocID="{099E0B8B-D202-45AD-8A77-9D8089350481}" presName="parentText" presStyleLbl="node1" presStyleIdx="2" presStyleCnt="5">
-        <dgm:presLayoutVars>
-          <dgm:chMax val="0"/>
-          <dgm:bulletEnabled val="1"/>
-        </dgm:presLayoutVars>
-      </dgm:prSet>
-      <dgm:spPr/>
-    </dgm:pt>
-    <dgm:pt modelId="{58134F27-C2A1-465F-94DC-3B193448DE8C}" type="pres">
-      <dgm:prSet presAssocID="{A6C6DF2B-C2BF-4329-9C05-1700575C3BF2}" presName="spacer" presStyleCnt="0"/>
-      <dgm:spPr/>
-    </dgm:pt>
     <dgm:pt modelId="{6FD2127C-8B29-43EC-A495-84EC1DC2DD69}" type="pres">
-      <dgm:prSet presAssocID="{37B460BA-770D-4B93-AC2D-50A649C6F26C}" presName="parentText" presStyleLbl="node1" presStyleIdx="3" presStyleCnt="5">
+      <dgm:prSet presAssocID="{37B460BA-770D-4B93-AC2D-50A649C6F26C}" presName="parentText" presStyleLbl="node1" presStyleIdx="2" presStyleCnt="4">
         <dgm:presLayoutVars>
           <dgm:chMax val="0"/>
           <dgm:bulletEnabled val="1"/>
@@ -8394,7 +8345,7 @@
       <dgm:spPr/>
     </dgm:pt>
     <dgm:pt modelId="{F6506733-0ED1-4A94-B61B-591BD738E4ED}" type="pres">
-      <dgm:prSet presAssocID="{C17D2C3E-3BFD-4A97-81F2-BE83880BCCF3}" presName="parentText" presStyleLbl="node1" presStyleIdx="4" presStyleCnt="5">
+      <dgm:prSet presAssocID="{C17D2C3E-3BFD-4A97-81F2-BE83880BCCF3}" presName="parentText" presStyleLbl="node1" presStyleIdx="3" presStyleCnt="4">
         <dgm:presLayoutVars>
           <dgm:chMax val="0"/>
           <dgm:bulletEnabled val="1"/>
@@ -8406,11 +8357,9 @@
   <dgm:cxnLst>
     <dgm:cxn modelId="{6E938813-F36E-469C-8D10-C3E54DE16949}" type="presOf" srcId="{E0A81AA6-6471-40B2-B182-E229F7C712A3}" destId="{98495CBB-1D57-4204-9EE0-A6D3D820CABE}" srcOrd="0" destOrd="0" presId="urn:microsoft.com/office/officeart/2005/8/layout/vList2"/>
     <dgm:cxn modelId="{391A9125-F0A9-43E2-957D-0B7D86D506AE}" type="presOf" srcId="{37B460BA-770D-4B93-AC2D-50A649C6F26C}" destId="{6FD2127C-8B29-43EC-A495-84EC1DC2DD69}" srcOrd="0" destOrd="0" presId="urn:microsoft.com/office/officeart/2005/8/layout/vList2"/>
-    <dgm:cxn modelId="{77BDAD2A-8A3B-430A-A0DC-82E3EA3B6901}" type="presOf" srcId="{099E0B8B-D202-45AD-8A77-9D8089350481}" destId="{1AE8882E-5D42-4D63-925A-4496820F88C9}" srcOrd="0" destOrd="0" presId="urn:microsoft.com/office/officeart/2005/8/layout/vList2"/>
-    <dgm:cxn modelId="{1FE2866E-066F-4F50-80FC-977F29C49B9C}" srcId="{E0A81AA6-6471-40B2-B182-E229F7C712A3}" destId="{C17D2C3E-3BFD-4A97-81F2-BE83880BCCF3}" srcOrd="4" destOrd="0" parTransId="{D43E1C28-3714-481A-83FF-F81AF2B2DA04}" sibTransId="{DCCFD491-821D-4BC3-9692-1F3764879DAF}"/>
-    <dgm:cxn modelId="{8B6FD656-CE39-4A21-B209-31CDF2C3B58D}" srcId="{E0A81AA6-6471-40B2-B182-E229F7C712A3}" destId="{099E0B8B-D202-45AD-8A77-9D8089350481}" srcOrd="2" destOrd="0" parTransId="{B6BF8137-350F-4609-B261-71C97ABA9A0A}" sibTransId="{A6C6DF2B-C2BF-4329-9C05-1700575C3BF2}"/>
+    <dgm:cxn modelId="{1FE2866E-066F-4F50-80FC-977F29C49B9C}" srcId="{E0A81AA6-6471-40B2-B182-E229F7C712A3}" destId="{C17D2C3E-3BFD-4A97-81F2-BE83880BCCF3}" srcOrd="3" destOrd="0" parTransId="{D43E1C28-3714-481A-83FF-F81AF2B2DA04}" sibTransId="{DCCFD491-821D-4BC3-9692-1F3764879DAF}"/>
     <dgm:cxn modelId="{8422AB7D-8297-40F1-9CCA-C453E72656C7}" type="presOf" srcId="{6EF35364-324B-48F2-B3E5-64CC90BB1AE6}" destId="{129D4766-2881-42F9-86EE-A54EBB9A64A1}" srcOrd="0" destOrd="0" presId="urn:microsoft.com/office/officeart/2005/8/layout/vList2"/>
-    <dgm:cxn modelId="{62C6BD86-6649-4BA8-A75E-94E82F6E59EC}" srcId="{E0A81AA6-6471-40B2-B182-E229F7C712A3}" destId="{37B460BA-770D-4B93-AC2D-50A649C6F26C}" srcOrd="3" destOrd="0" parTransId="{C114F6C2-7B4A-46C5-8DA3-CD1570BF2885}" sibTransId="{F9CE6D43-B847-4E5E-A829-C0E703652404}"/>
+    <dgm:cxn modelId="{62C6BD86-6649-4BA8-A75E-94E82F6E59EC}" srcId="{E0A81AA6-6471-40B2-B182-E229F7C712A3}" destId="{37B460BA-770D-4B93-AC2D-50A649C6F26C}" srcOrd="2" destOrd="0" parTransId="{C114F6C2-7B4A-46C5-8DA3-CD1570BF2885}" sibTransId="{F9CE6D43-B847-4E5E-A829-C0E703652404}"/>
     <dgm:cxn modelId="{E0C9CDA8-FC8F-457B-AF2A-58EC6D11D45C}" srcId="{E0A81AA6-6471-40B2-B182-E229F7C712A3}" destId="{6EF35364-324B-48F2-B3E5-64CC90BB1AE6}" srcOrd="0" destOrd="0" parTransId="{4621F810-803B-4289-8778-AA139ADA0F4F}" sibTransId="{AFA05883-A086-4C7E-8478-184BCAECD770}"/>
     <dgm:cxn modelId="{26A56EC5-2099-4292-8121-F433F155648F}" type="presOf" srcId="{2311EF50-D0B3-45E6-9C57-3C5136A90A1E}" destId="{ED37FC63-A9AB-4FD2-B5FB-4C65284D2BCF}" srcOrd="0" destOrd="0" presId="urn:microsoft.com/office/officeart/2005/8/layout/vList2"/>
     <dgm:cxn modelId="{946BFBC6-D3C2-4120-A491-B7D5384A5B86}" srcId="{E0A81AA6-6471-40B2-B182-E229F7C712A3}" destId="{2311EF50-D0B3-45E6-9C57-3C5136A90A1E}" srcOrd="1" destOrd="0" parTransId="{0430BEAF-7BDC-4FDB-9CFD-570CFD25D7B4}" sibTransId="{F353A5FD-B5B3-4B2A-A116-3F4A4C9393C5}"/>
@@ -8419,11 +8368,9 @@
     <dgm:cxn modelId="{2DF66920-5F3C-4588-A2DF-75D7D4D55711}" type="presParOf" srcId="{98495CBB-1D57-4204-9EE0-A6D3D820CABE}" destId="{CE1C7826-7579-4E42-9EC2-06A05D67BC2D}" srcOrd="1" destOrd="0" presId="urn:microsoft.com/office/officeart/2005/8/layout/vList2"/>
     <dgm:cxn modelId="{E9A74306-872B-438F-A2A3-357594B59C5F}" type="presParOf" srcId="{98495CBB-1D57-4204-9EE0-A6D3D820CABE}" destId="{ED37FC63-A9AB-4FD2-B5FB-4C65284D2BCF}" srcOrd="2" destOrd="0" presId="urn:microsoft.com/office/officeart/2005/8/layout/vList2"/>
     <dgm:cxn modelId="{6832D503-1CA1-4E17-B4CE-69FF2A9F0026}" type="presParOf" srcId="{98495CBB-1D57-4204-9EE0-A6D3D820CABE}" destId="{03E24E89-1F37-41F1-A7BE-B99F2E27B588}" srcOrd="3" destOrd="0" presId="urn:microsoft.com/office/officeart/2005/8/layout/vList2"/>
-    <dgm:cxn modelId="{78A42138-C99F-49C2-9C53-E6C3C7D29A97}" type="presParOf" srcId="{98495CBB-1D57-4204-9EE0-A6D3D820CABE}" destId="{1AE8882E-5D42-4D63-925A-4496820F88C9}" srcOrd="4" destOrd="0" presId="urn:microsoft.com/office/officeart/2005/8/layout/vList2"/>
-    <dgm:cxn modelId="{1FC8F3BB-4602-4C2B-9624-E3087F267B72}" type="presParOf" srcId="{98495CBB-1D57-4204-9EE0-A6D3D820CABE}" destId="{58134F27-C2A1-465F-94DC-3B193448DE8C}" srcOrd="5" destOrd="0" presId="urn:microsoft.com/office/officeart/2005/8/layout/vList2"/>
-    <dgm:cxn modelId="{F13FADE7-C0F8-4990-B32C-B1B30D106666}" type="presParOf" srcId="{98495CBB-1D57-4204-9EE0-A6D3D820CABE}" destId="{6FD2127C-8B29-43EC-A495-84EC1DC2DD69}" srcOrd="6" destOrd="0" presId="urn:microsoft.com/office/officeart/2005/8/layout/vList2"/>
-    <dgm:cxn modelId="{FE1DD8C8-C8C3-431B-81C0-1685E2A052EB}" type="presParOf" srcId="{98495CBB-1D57-4204-9EE0-A6D3D820CABE}" destId="{96B957FE-DF21-4E90-B983-717424E6B119}" srcOrd="7" destOrd="0" presId="urn:microsoft.com/office/officeart/2005/8/layout/vList2"/>
-    <dgm:cxn modelId="{B3E05345-3AD2-4695-9509-FAF5086ACCAB}" type="presParOf" srcId="{98495CBB-1D57-4204-9EE0-A6D3D820CABE}" destId="{F6506733-0ED1-4A94-B61B-591BD738E4ED}" srcOrd="8" destOrd="0" presId="urn:microsoft.com/office/officeart/2005/8/layout/vList2"/>
+    <dgm:cxn modelId="{F13FADE7-C0F8-4990-B32C-B1B30D106666}" type="presParOf" srcId="{98495CBB-1D57-4204-9EE0-A6D3D820CABE}" destId="{6FD2127C-8B29-43EC-A495-84EC1DC2DD69}" srcOrd="4" destOrd="0" presId="urn:microsoft.com/office/officeart/2005/8/layout/vList2"/>
+    <dgm:cxn modelId="{FE1DD8C8-C8C3-431B-81C0-1685E2A052EB}" type="presParOf" srcId="{98495CBB-1D57-4204-9EE0-A6D3D820CABE}" destId="{96B957FE-DF21-4E90-B983-717424E6B119}" srcOrd="5" destOrd="0" presId="urn:microsoft.com/office/officeart/2005/8/layout/vList2"/>
+    <dgm:cxn modelId="{B3E05345-3AD2-4695-9509-FAF5086ACCAB}" type="presParOf" srcId="{98495CBB-1D57-4204-9EE0-A6D3D820CABE}" destId="{F6506733-0ED1-4A94-B61B-591BD738E4ED}" srcOrd="6" destOrd="0" presId="urn:microsoft.com/office/officeart/2005/8/layout/vList2"/>
   </dgm:cxnLst>
   <dgm:bg/>
   <dgm:whole/>
@@ -10883,9 +10830,10 @@
             <a:buNone/>
           </a:pPr>
           <a:r>
-            <a:rPr lang="en-US" sz="3000" kern="1200"/>
-            <a:t>Designed for Uptime</a:t>
+            <a:rPr lang="en-US" sz="3000" b="0" kern="1200" dirty="0"/>
+            <a:t>Design Considerations</a:t>
           </a:r>
+          <a:endParaRPr lang="en-US" sz="3000" b="0" kern="1200" dirty="0"/>
         </a:p>
       </dsp:txBody>
       <dsp:txXfrm>
@@ -10960,7 +10908,7 @@
             <a:buNone/>
           </a:pPr>
           <a:r>
-            <a:rPr lang="en-US" sz="3000" kern="1200"/>
+            <a:rPr lang="en-US" sz="3000" kern="1200" dirty="0"/>
             <a:t>Challenges with current processes</a:t>
           </a:r>
         </a:p>
@@ -11395,8 +11343,8 @@
       </dsp:nvSpPr>
       <dsp:spPr>
         <a:xfrm>
-          <a:off x="0" y="48577"/>
-          <a:ext cx="11201399" cy="983384"/>
+          <a:off x="0" y="285570"/>
+          <a:ext cx="11201399" cy="1127295"/>
         </a:xfrm>
         <a:prstGeom prst="roundRect">
           <a:avLst/>
@@ -11437,12 +11385,12 @@
         </a:fontRef>
       </dsp:style>
       <dsp:txBody>
-        <a:bodyPr spcFirstLastPara="0" vert="horz" wrap="square" lIns="156210" tIns="156210" rIns="156210" bIns="156210" numCol="1" spcCol="1270" anchor="ctr" anchorCtr="0">
+        <a:bodyPr spcFirstLastPara="0" vert="horz" wrap="square" lIns="179070" tIns="179070" rIns="179070" bIns="179070" numCol="1" spcCol="1270" anchor="ctr" anchorCtr="0">
           <a:noAutofit/>
         </a:bodyPr>
         <a:lstStyle/>
         <a:p>
-          <a:pPr marL="0" lvl="0" indent="0" algn="l" defTabSz="1822450" rtl="0">
+          <a:pPr marL="0" lvl="0" indent="0" algn="l" defTabSz="2089150" rtl="0">
             <a:lnSpc>
               <a:spcPct val="90000"/>
             </a:lnSpc>
@@ -11455,14 +11403,14 @@
             <a:buNone/>
           </a:pPr>
           <a:r>
-            <a:rPr lang="en-US" sz="4100" kern="1200" dirty="0"/>
+            <a:rPr lang="en-US" sz="4700" kern="1200" dirty="0"/>
             <a:t>Space full on data drive</a:t>
           </a:r>
         </a:p>
       </dsp:txBody>
       <dsp:txXfrm>
-        <a:off x="48005" y="96582"/>
-        <a:ext cx="11105389" cy="887374"/>
+        <a:off x="55030" y="340600"/>
+        <a:ext cx="11091339" cy="1017235"/>
       </dsp:txXfrm>
     </dsp:sp>
     <dsp:sp modelId="{ED37FC63-A9AB-4FD2-B5FB-4C65284D2BCF}">
@@ -11472,8 +11420,8 @@
       </dsp:nvSpPr>
       <dsp:spPr>
         <a:xfrm>
-          <a:off x="0" y="1150042"/>
-          <a:ext cx="11201399" cy="983384"/>
+          <a:off x="0" y="1548225"/>
+          <a:ext cx="11201399" cy="1127295"/>
         </a:xfrm>
         <a:prstGeom prst="roundRect">
           <a:avLst/>
@@ -11514,12 +11462,12 @@
         </a:fontRef>
       </dsp:style>
       <dsp:txBody>
-        <a:bodyPr spcFirstLastPara="0" vert="horz" wrap="square" lIns="156210" tIns="156210" rIns="156210" bIns="156210" numCol="1" spcCol="1270" anchor="ctr" anchorCtr="0">
+        <a:bodyPr spcFirstLastPara="0" vert="horz" wrap="square" lIns="179070" tIns="179070" rIns="179070" bIns="179070" numCol="1" spcCol="1270" anchor="ctr" anchorCtr="0">
           <a:noAutofit/>
         </a:bodyPr>
         <a:lstStyle/>
         <a:p>
-          <a:pPr marL="0" lvl="0" indent="0" algn="l" defTabSz="1822450" rtl="0">
+          <a:pPr marL="0" lvl="0" indent="0" algn="l" defTabSz="2089150" rtl="0">
             <a:lnSpc>
               <a:spcPct val="90000"/>
             </a:lnSpc>
@@ -11532,25 +11480,25 @@
             <a:buNone/>
           </a:pPr>
           <a:r>
-            <a:rPr lang="en-US" sz="4100" kern="1200" dirty="0"/>
+            <a:rPr lang="en-US" sz="4700" kern="1200" dirty="0"/>
             <a:t>Space full on log file</a:t>
           </a:r>
         </a:p>
       </dsp:txBody>
       <dsp:txXfrm>
-        <a:off x="48005" y="1198047"/>
-        <a:ext cx="11105389" cy="887374"/>
+        <a:off x="55030" y="1603255"/>
+        <a:ext cx="11091339" cy="1017235"/>
       </dsp:txXfrm>
     </dsp:sp>
-    <dsp:sp modelId="{1AE8882E-5D42-4D63-925A-4496820F88C9}">
+    <dsp:sp modelId="{6FD2127C-8B29-43EC-A495-84EC1DC2DD69}">
       <dsp:nvSpPr>
         <dsp:cNvPr id="0" name=""/>
         <dsp:cNvSpPr/>
       </dsp:nvSpPr>
       <dsp:spPr>
         <a:xfrm>
-          <a:off x="0" y="2251507"/>
-          <a:ext cx="11201399" cy="983384"/>
+          <a:off x="0" y="2810880"/>
+          <a:ext cx="11201399" cy="1127295"/>
         </a:xfrm>
         <a:prstGeom prst="roundRect">
           <a:avLst/>
@@ -11591,12 +11539,12 @@
         </a:fontRef>
       </dsp:style>
       <dsp:txBody>
-        <a:bodyPr spcFirstLastPara="0" vert="horz" wrap="square" lIns="156210" tIns="156210" rIns="156210" bIns="156210" numCol="1" spcCol="1270" anchor="ctr" anchorCtr="0">
+        <a:bodyPr spcFirstLastPara="0" vert="horz" wrap="square" lIns="179070" tIns="179070" rIns="179070" bIns="179070" numCol="1" spcCol="1270" anchor="ctr" anchorCtr="0">
           <a:noAutofit/>
         </a:bodyPr>
         <a:lstStyle/>
         <a:p>
-          <a:pPr marL="0" lvl="0" indent="0" algn="l" defTabSz="1822450" rtl="0">
+          <a:pPr marL="0" lvl="0" indent="0" algn="l" defTabSz="2089150" rtl="0">
             <a:lnSpc>
               <a:spcPct val="90000"/>
             </a:lnSpc>
@@ -11609,25 +11557,25 @@
             <a:buNone/>
           </a:pPr>
           <a:r>
-            <a:rPr lang="en-US" sz="4100" kern="1200" dirty="0"/>
-            <a:t>Simple recovery during re-indexing</a:t>
+            <a:rPr lang="en-US" sz="4700" kern="1200" dirty="0"/>
+            <a:t>Log backup fails, Backups drive full</a:t>
           </a:r>
         </a:p>
       </dsp:txBody>
       <dsp:txXfrm>
-        <a:off x="48005" y="2299512"/>
-        <a:ext cx="11105389" cy="887374"/>
+        <a:off x="55030" y="2865910"/>
+        <a:ext cx="11091339" cy="1017235"/>
       </dsp:txXfrm>
     </dsp:sp>
-    <dsp:sp modelId="{6FD2127C-8B29-43EC-A495-84EC1DC2DD69}">
+    <dsp:sp modelId="{F6506733-0ED1-4A94-B61B-591BD738E4ED}">
       <dsp:nvSpPr>
         <dsp:cNvPr id="0" name=""/>
         <dsp:cNvSpPr/>
       </dsp:nvSpPr>
       <dsp:spPr>
         <a:xfrm>
-          <a:off x="0" y="3352972"/>
-          <a:ext cx="11201399" cy="983384"/>
+          <a:off x="0" y="4073535"/>
+          <a:ext cx="11201399" cy="1127295"/>
         </a:xfrm>
         <a:prstGeom prst="roundRect">
           <a:avLst/>
@@ -11668,12 +11616,12 @@
         </a:fontRef>
       </dsp:style>
       <dsp:txBody>
-        <a:bodyPr spcFirstLastPara="0" vert="horz" wrap="square" lIns="156210" tIns="156210" rIns="156210" bIns="156210" numCol="1" spcCol="1270" anchor="ctr" anchorCtr="0">
+        <a:bodyPr spcFirstLastPara="0" vert="horz" wrap="square" lIns="179070" tIns="179070" rIns="179070" bIns="179070" numCol="1" spcCol="1270" anchor="ctr" anchorCtr="0">
           <a:noAutofit/>
         </a:bodyPr>
         <a:lstStyle/>
         <a:p>
-          <a:pPr marL="0" lvl="0" indent="0" algn="l" defTabSz="1822450" rtl="0">
+          <a:pPr marL="0" lvl="0" indent="0" algn="l" defTabSz="2089150" rtl="0">
             <a:lnSpc>
               <a:spcPct val="90000"/>
             </a:lnSpc>
@@ -11686,91 +11634,14 @@
             <a:buNone/>
           </a:pPr>
           <a:r>
-            <a:rPr lang="en-US" sz="4100" kern="1200" dirty="0"/>
-            <a:t>Log backup fails, Backups drive full</a:t>
-          </a:r>
-        </a:p>
-      </dsp:txBody>
-      <dsp:txXfrm>
-        <a:off x="48005" y="3400977"/>
-        <a:ext cx="11105389" cy="887374"/>
-      </dsp:txXfrm>
-    </dsp:sp>
-    <dsp:sp modelId="{F6506733-0ED1-4A94-B61B-591BD738E4ED}">
-      <dsp:nvSpPr>
-        <dsp:cNvPr id="0" name=""/>
-        <dsp:cNvSpPr/>
-      </dsp:nvSpPr>
-      <dsp:spPr>
-        <a:xfrm>
-          <a:off x="0" y="4454437"/>
-          <a:ext cx="11201399" cy="983384"/>
-        </a:xfrm>
-        <a:prstGeom prst="roundRect">
-          <a:avLst/>
-        </a:prstGeom>
-        <a:solidFill>
-          <a:schemeClr val="accent1">
-            <a:hueOff val="0"/>
-            <a:satOff val="0"/>
-            <a:lumOff val="0"/>
-            <a:alphaOff val="0"/>
-          </a:schemeClr>
-        </a:solidFill>
-        <a:ln w="19050" cap="flat" cmpd="sng" algn="ctr">
-          <a:solidFill>
-            <a:schemeClr val="lt1">
-              <a:hueOff val="0"/>
-              <a:satOff val="0"/>
-              <a:lumOff val="0"/>
-              <a:alphaOff val="0"/>
-            </a:schemeClr>
-          </a:solidFill>
-          <a:prstDash val="solid"/>
-        </a:ln>
-        <a:effectLst/>
-      </dsp:spPr>
-      <dsp:style>
-        <a:lnRef idx="2">
-          <a:scrgbClr r="0" g="0" b="0"/>
-        </a:lnRef>
-        <a:fillRef idx="1">
-          <a:scrgbClr r="0" g="0" b="0"/>
-        </a:fillRef>
-        <a:effectRef idx="0">
-          <a:scrgbClr r="0" g="0" b="0"/>
-        </a:effectRef>
-        <a:fontRef idx="minor">
-          <a:schemeClr val="lt1"/>
-        </a:fontRef>
-      </dsp:style>
-      <dsp:txBody>
-        <a:bodyPr spcFirstLastPara="0" vert="horz" wrap="square" lIns="156210" tIns="156210" rIns="156210" bIns="156210" numCol="1" spcCol="1270" anchor="ctr" anchorCtr="0">
-          <a:noAutofit/>
-        </a:bodyPr>
-        <a:lstStyle/>
-        <a:p>
-          <a:pPr marL="0" lvl="0" indent="0" algn="l" defTabSz="1822450" rtl="0">
-            <a:lnSpc>
-              <a:spcPct val="90000"/>
-            </a:lnSpc>
-            <a:spcBef>
-              <a:spcPct val="0"/>
-            </a:spcBef>
-            <a:spcAft>
-              <a:spcPct val="35000"/>
-            </a:spcAft>
-            <a:buNone/>
-          </a:pPr>
-          <a:r>
-            <a:rPr lang="en-US" sz="4100" kern="1200" dirty="0"/>
+            <a:rPr lang="en-US" sz="4700" kern="1200" dirty="0"/>
             <a:t>Re-indexing caused blocking to application</a:t>
           </a:r>
         </a:p>
       </dsp:txBody>
       <dsp:txXfrm>
-        <a:off x="48005" y="4502442"/>
-        <a:ext cx="11105389" cy="887374"/>
+        <a:off x="55030" y="4128565"/>
+        <a:ext cx="11091339" cy="1017235"/>
       </dsp:txXfrm>
     </dsp:sp>
   </dsp:spTree>
@@ -28020,7 +27891,7 @@
           <a:p>
             <a:fld id="{36C75685-DA2B-40D8-8A5E-4CA8B8C3253C}" type="datetimeFigureOut">
               <a:rPr lang="en-US" smtClean="0"/>
-              <a:t>3/31/2017</a:t>
+              <a:t>4/1/2017</a:t>
             </a:fld>
             <a:endParaRPr lang="en-US"/>
           </a:p>
@@ -30003,7 +29874,7 @@
           <a:p>
             <a:fld id="{E7CFDF7C-8015-473F-9254-6142903838CD}" type="datetimeFigureOut">
               <a:rPr lang="en-US" smtClean="0"/>
-              <a:t>3/31/2017</a:t>
+              <a:t>4/1/2017</a:t>
             </a:fld>
             <a:endParaRPr lang="en-US"/>
           </a:p>
@@ -30279,7 +30150,7 @@
           <a:p>
             <a:fld id="{E7CFDF7C-8015-473F-9254-6142903838CD}" type="datetimeFigureOut">
               <a:rPr lang="en-US" smtClean="0"/>
-              <a:t>3/31/2017</a:t>
+              <a:t>4/1/2017</a:t>
             </a:fld>
             <a:endParaRPr lang="en-US"/>
           </a:p>
@@ -30500,7 +30371,7 @@
           <a:p>
             <a:fld id="{E7CFDF7C-8015-473F-9254-6142903838CD}" type="datetimeFigureOut">
               <a:rPr lang="en-US" smtClean="0"/>
-              <a:t>3/31/2017</a:t>
+              <a:t>4/1/2017</a:t>
             </a:fld>
             <a:endParaRPr lang="en-US"/>
           </a:p>
@@ -30685,7 +30556,7 @@
           <a:p>
             <a:fld id="{FDE9E077-0E52-48BD-B574-431BE7A4E297}" type="datetimeFigureOut">
               <a:rPr lang="en-US" smtClean="0"/>
-              <a:t>3/31/2017</a:t>
+              <a:t>4/1/2017</a:t>
             </a:fld>
             <a:endParaRPr lang="en-US"/>
           </a:p>
@@ -30853,7 +30724,7 @@
           <a:p>
             <a:fld id="{FDE9E077-0E52-48BD-B574-431BE7A4E297}" type="datetimeFigureOut">
               <a:rPr lang="en-US" smtClean="0"/>
-              <a:t>3/31/2017</a:t>
+              <a:t>4/1/2017</a:t>
             </a:fld>
             <a:endParaRPr lang="en-US"/>
           </a:p>
@@ -31098,7 +30969,7 @@
           <a:p>
             <a:fld id="{FDE9E077-0E52-48BD-B574-431BE7A4E297}" type="datetimeFigureOut">
               <a:rPr lang="en-US" smtClean="0"/>
-              <a:t>3/31/2017</a:t>
+              <a:t>4/1/2017</a:t>
             </a:fld>
             <a:endParaRPr lang="en-US"/>
           </a:p>
@@ -31327,7 +31198,7 @@
           <a:p>
             <a:fld id="{FDE9E077-0E52-48BD-B574-431BE7A4E297}" type="datetimeFigureOut">
               <a:rPr lang="en-US" smtClean="0"/>
-              <a:t>3/31/2017</a:t>
+              <a:t>4/1/2017</a:t>
             </a:fld>
             <a:endParaRPr lang="en-US"/>
           </a:p>
@@ -31691,7 +31562,7 @@
           <a:p>
             <a:fld id="{FDE9E077-0E52-48BD-B574-431BE7A4E297}" type="datetimeFigureOut">
               <a:rPr lang="en-US" smtClean="0"/>
-              <a:t>3/31/2017</a:t>
+              <a:t>4/1/2017</a:t>
             </a:fld>
             <a:endParaRPr lang="en-US"/>
           </a:p>
@@ -31808,7 +31679,7 @@
           <a:p>
             <a:fld id="{FDE9E077-0E52-48BD-B574-431BE7A4E297}" type="datetimeFigureOut">
               <a:rPr lang="en-US" smtClean="0"/>
-              <a:t>3/31/2017</a:t>
+              <a:t>4/1/2017</a:t>
             </a:fld>
             <a:endParaRPr lang="en-US"/>
           </a:p>
@@ -31903,7 +31774,7 @@
           <a:p>
             <a:fld id="{FDE9E077-0E52-48BD-B574-431BE7A4E297}" type="datetimeFigureOut">
               <a:rPr lang="en-US" smtClean="0"/>
-              <a:t>3/31/2017</a:t>
+              <a:t>4/1/2017</a:t>
             </a:fld>
             <a:endParaRPr lang="en-US"/>
           </a:p>
@@ -32178,7 +32049,7 @@
           <a:p>
             <a:fld id="{FDE9E077-0E52-48BD-B574-431BE7A4E297}" type="datetimeFigureOut">
               <a:rPr lang="en-US" smtClean="0"/>
-              <a:t>3/31/2017</a:t>
+              <a:t>4/1/2017</a:t>
             </a:fld>
             <a:endParaRPr lang="en-US"/>
           </a:p>
@@ -32378,7 +32249,7 @@
           <a:p>
             <a:fld id="{E7CFDF7C-8015-473F-9254-6142903838CD}" type="datetimeFigureOut">
               <a:rPr lang="en-US" smtClean="0"/>
-              <a:t>3/31/2017</a:t>
+              <a:t>4/1/2017</a:t>
             </a:fld>
             <a:endParaRPr lang="en-US"/>
           </a:p>
@@ -32648,7 +32519,7 @@
           <a:p>
             <a:fld id="{FDE9E077-0E52-48BD-B574-431BE7A4E297}" type="datetimeFigureOut">
               <a:rPr lang="en-US" smtClean="0"/>
-              <a:t>3/31/2017</a:t>
+              <a:t>4/1/2017</a:t>
             </a:fld>
             <a:endParaRPr lang="en-US"/>
           </a:p>
@@ -32816,7 +32687,7 @@
           <a:p>
             <a:fld id="{FDE9E077-0E52-48BD-B574-431BE7A4E297}" type="datetimeFigureOut">
               <a:rPr lang="en-US" smtClean="0"/>
-              <a:t>3/31/2017</a:t>
+              <a:t>4/1/2017</a:t>
             </a:fld>
             <a:endParaRPr lang="en-US"/>
           </a:p>
@@ -32994,7 +32865,7 @@
           <a:p>
             <a:fld id="{FDE9E077-0E52-48BD-B574-431BE7A4E297}" type="datetimeFigureOut">
               <a:rPr lang="en-US" smtClean="0"/>
-              <a:t>3/31/2017</a:t>
+              <a:t>4/1/2017</a:t>
             </a:fld>
             <a:endParaRPr lang="en-US"/>
           </a:p>
@@ -33256,7 +33127,7 @@
           <a:p>
             <a:fld id="{E7CFDF7C-8015-473F-9254-6142903838CD}" type="datetimeFigureOut">
               <a:rPr lang="en-US" smtClean="0"/>
-              <a:t>3/31/2017</a:t>
+              <a:t>4/1/2017</a:t>
             </a:fld>
             <a:endParaRPr lang="en-US"/>
           </a:p>
@@ -33729,7 +33600,7 @@
           <a:p>
             <a:fld id="{E7CFDF7C-8015-473F-9254-6142903838CD}" type="datetimeFigureOut">
               <a:rPr lang="en-US" smtClean="0"/>
-              <a:t>3/31/2017</a:t>
+              <a:t>4/1/2017</a:t>
             </a:fld>
             <a:endParaRPr lang="en-US"/>
           </a:p>
@@ -34183,7 +34054,7 @@
           <a:p>
             <a:fld id="{E7CFDF7C-8015-473F-9254-6142903838CD}" type="datetimeFigureOut">
               <a:rPr lang="en-US" smtClean="0"/>
-              <a:t>3/31/2017</a:t>
+              <a:t>4/1/2017</a:t>
             </a:fld>
             <a:endParaRPr lang="en-US"/>
           </a:p>
@@ -34321,7 +34192,7 @@
           <a:p>
             <a:fld id="{E7CFDF7C-8015-473F-9254-6142903838CD}" type="datetimeFigureOut">
               <a:rPr lang="en-US" smtClean="0"/>
-              <a:t>3/31/2017</a:t>
+              <a:t>4/1/2017</a:t>
             </a:fld>
             <a:endParaRPr lang="en-US"/>
           </a:p>
@@ -34481,7 +34352,7 @@
           <a:p>
             <a:fld id="{E7CFDF7C-8015-473F-9254-6142903838CD}" type="datetimeFigureOut">
               <a:rPr lang="en-US" smtClean="0"/>
-              <a:t>3/31/2017</a:t>
+              <a:t>4/1/2017</a:t>
             </a:fld>
             <a:endParaRPr lang="en-US"/>
           </a:p>
@@ -34873,7 +34744,7 @@
           <a:p>
             <a:fld id="{E7CFDF7C-8015-473F-9254-6142903838CD}" type="datetimeFigureOut">
               <a:rPr lang="en-US" smtClean="0"/>
-              <a:t>3/31/2017</a:t>
+              <a:t>4/1/2017</a:t>
             </a:fld>
             <a:endParaRPr lang="en-US"/>
           </a:p>
@@ -35273,7 +35144,7 @@
           <a:p>
             <a:fld id="{E7CFDF7C-8015-473F-9254-6142903838CD}" type="datetimeFigureOut">
               <a:rPr lang="en-US" smtClean="0"/>
-              <a:t>3/31/2017</a:t>
+              <a:t>4/1/2017</a:t>
             </a:fld>
             <a:endParaRPr lang="en-US"/>
           </a:p>
@@ -35483,7 +35354,7 @@
           <a:p>
             <a:fld id="{E7CFDF7C-8015-473F-9254-6142903838CD}" type="datetimeFigureOut">
               <a:rPr lang="en-US" smtClean="0"/>
-              <a:t>3/31/2017</a:t>
+              <a:t>4/1/2017</a:t>
             </a:fld>
             <a:endParaRPr lang="en-US"/>
           </a:p>
@@ -36020,7 +35891,7 @@
           <a:p>
             <a:fld id="{FDE9E077-0E52-48BD-B574-431BE7A4E297}" type="datetimeFigureOut">
               <a:rPr lang="en-US" smtClean="0"/>
-              <a:t>3/31/2017</a:t>
+              <a:t>4/1/2017</a:t>
             </a:fld>
             <a:endParaRPr lang="en-US"/>
           </a:p>
@@ -42092,7 +41963,7 @@
           <p:nvPr>
             <p:extLst>
               <p:ext uri="{D42A27DB-BD31-4B8C-83A1-F6EECF244321}">
-                <p14:modId xmlns:p14="http://schemas.microsoft.com/office/powerpoint/2010/main" val="2893605719"/>
+                <p14:modId xmlns:p14="http://schemas.microsoft.com/office/powerpoint/2010/main" val="2362773157"/>
               </p:ext>
             </p:extLst>
           </p:nvPr>
@@ -42234,7 +42105,7 @@
           <p:nvPr>
             <p:extLst>
               <p:ext uri="{D42A27DB-BD31-4B8C-83A1-F6EECF244321}">
-                <p14:modId xmlns:p14="http://schemas.microsoft.com/office/powerpoint/2010/main" val="4051981320"/>
+                <p14:modId xmlns:p14="http://schemas.microsoft.com/office/powerpoint/2010/main" val="1232717218"/>
               </p:ext>
             </p:extLst>
           </p:nvPr>
@@ -42363,7 +42234,7 @@
           <a:p>
             <a:r>
               <a:rPr lang="en-US" sz="5000" b="1" dirty="0"/>
-              <a:t>Designed for Uptime</a:t>
+              <a:t>Design Considerations</a:t>
             </a:r>
             <a:endParaRPr lang="en-US" sz="5000" dirty="0"/>
           </a:p>
